--- a/documentation/AerocomSystem2_presentation.pptx
+++ b/documentation/AerocomSystem2_presentation.pptx
@@ -7887,7 +7887,7 @@
                   <a:schemeClr val="lt2"/>
                 </a:solidFill>
               </a:rPr>
-              <a:t>: Main module of the analysis composed by:</a:t>
+              <a:t>: Main module of the analysis composed of:</a:t>
             </a:r>
             <a:endParaRPr sz="1200">
               <a:solidFill>
@@ -8084,7 +8084,7 @@
         </p:nvSpPr>
         <p:spPr>
           <a:xfrm>
-            <a:off x="4586450" y="1282450"/>
+            <a:off x="4475600" y="1266600"/>
             <a:ext cx="3910800" cy="2610300"/>
           </a:xfrm>
           <a:prstGeom prst="roundRect">
@@ -9510,7 +9510,7 @@
             <a:tbl>
               <a:tblPr>
                 <a:noFill/>
-                <a:tableStyleId>{EE4AB935-7E9E-4CB8-ACFC-9A96C1106A11}</a:tableStyleId>
+                <a:tableStyleId>{FF7EBE3A-FCFE-4183-ABAB-3D2FE987B653}</a:tableStyleId>
               </a:tblPr>
               <a:tblGrid>
                 <a:gridCol w="878025"/>
@@ -11901,7 +11901,7 @@
                   <a:schemeClr val="lt1"/>
                 </a:solidFill>
               </a:rPr>
-              <a:t>Below are reported the </a:t>
+              <a:t>In the graphs are reported the </a:t>
             </a:r>
             <a:r>
               <a:rPr i="1" lang="it">
@@ -11933,7 +11933,7 @@
                   <a:schemeClr val="lt1"/>
                 </a:solidFill>
               </a:rPr>
-              <a:t> behavior related to the duration of the simulation in monitored mode, with exponential time generation</a:t>
+              <a:t> behaviors related to the duration of the simulation in monitored mode, with exponential time generation</a:t>
             </a:r>
             <a:endParaRPr>
               <a:solidFill>
